--- a/Pre_production/Documents/Workbook/Workbook 3.pptx
+++ b/Pre_production/Documents/Workbook/Workbook 3.pptx
@@ -156,7 +156,7 @@
 <file path=ppt/revisionInfo.xml><?xml version="1.0" encoding="utf-8"?>
 <p1510:revInfo xmlns:a="http://schemas.openxmlformats.org/drawingml/2006/main" xmlns:r="http://schemas.openxmlformats.org/officeDocument/2006/relationships" xmlns:p1510="http://schemas.microsoft.com/office/powerpoint/2015/10/main">
   <p1510:revLst>
-    <p1510:client id="{C4FF778B-81C4-4333-8731-99C47E93D6C8}" v="5" dt="2023-08-22T03:14:54.836"/>
+    <p1510:client id="{9F16BB2E-3C25-4FF4-B5D4-FD616C32DFD9}" v="40" dt="2023-10-24T00:10:54.279"/>
   </p1510:revLst>
 </p1510:revInfo>
 </file>
@@ -246,7 +246,7 @@
             <a:fld id="{A8ADFD5B-A66C-449C-B6E8-FB716D07777D}" type="datetimeFigureOut">
               <a:rPr lang="en-US" smtClean="0"/>
               <a:pPr/>
-              <a:t>8/22/2023</a:t>
+              <a:t>10/24/2023</a:t>
             </a:fld>
             <a:endParaRPr lang="en-US"/>
           </a:p>
@@ -2841,7 +2841,7 @@
                 </a:solidFill>
               </a:rPr>
               <a:pPr algn="ctr"/>
-              <a:t>8/22/2023</a:t>
+              <a:t>10/24/2023</a:t>
             </a:fld>
             <a:endParaRPr kumimoji="0" lang="en-US" sz="2000" dirty="0">
               <a:solidFill>
@@ -3030,7 +3030,7 @@
             <a:fld id="{E4606EA6-EFEA-4C30-9264-4F9291A5780D}" type="datetime1">
               <a:rPr kumimoji="0" lang="en-US" smtClean="0"/>
               <a:pPr/>
-              <a:t>8/22/2023</a:t>
+              <a:t>10/24/2023</a:t>
             </a:fld>
             <a:endParaRPr kumimoji="0" lang="en-US" sz="1400" dirty="0">
               <a:solidFill>
@@ -3230,7 +3230,7 @@
             <a:fld id="{E4606EA6-EFEA-4C30-9264-4F9291A5780D}" type="datetime1">
               <a:rPr kumimoji="0" lang="en-US" smtClean="0"/>
               <a:pPr/>
-              <a:t>8/22/2023</a:t>
+              <a:t>10/24/2023</a:t>
             </a:fld>
             <a:endParaRPr kumimoji="0" lang="en-US" sz="1400" dirty="0">
               <a:solidFill>
@@ -3420,7 +3420,7 @@
             <a:fld id="{E4606EA6-EFEA-4C30-9264-4F9291A5780D}" type="datetime1">
               <a:rPr kumimoji="0" lang="en-US" smtClean="0"/>
               <a:pPr/>
-              <a:t>8/22/2023</a:t>
+              <a:t>10/24/2023</a:t>
             </a:fld>
             <a:endParaRPr kumimoji="0" lang="en-US" sz="1400" dirty="0">
               <a:solidFill>
@@ -3686,7 +3686,7 @@
             <a:fld id="{6FCF9F07-3BC7-4570-B054-79111B0A380C}" type="datetime1">
               <a:rPr kumimoji="0" lang="en-US" smtClean="0"/>
               <a:pPr/>
-              <a:t>8/22/2023</a:t>
+              <a:t>10/24/2023</a:t>
             </a:fld>
             <a:endParaRPr kumimoji="0" lang="en-US"/>
           </a:p>
@@ -3929,7 +3929,7 @@
             <a:fld id="{E4606EA6-EFEA-4C30-9264-4F9291A5780D}" type="datetime1">
               <a:rPr kumimoji="0" lang="en-US" smtClean="0"/>
               <a:pPr/>
-              <a:t>8/22/2023</a:t>
+              <a:t>10/24/2023</a:t>
             </a:fld>
             <a:endParaRPr kumimoji="0" lang="en-US"/>
           </a:p>
@@ -4303,7 +4303,7 @@
             <a:fld id="{E4606EA6-EFEA-4C30-9264-4F9291A5780D}" type="datetime1">
               <a:rPr kumimoji="0" lang="en-US" smtClean="0"/>
               <a:pPr/>
-              <a:t>8/22/2023</a:t>
+              <a:t>10/24/2023</a:t>
             </a:fld>
             <a:endParaRPr kumimoji="0" lang="en-US"/>
           </a:p>
@@ -4428,7 +4428,7 @@
             <a:fld id="{6DFADB5D-B7A0-47E3-AD2D-B1A6F8614213}" type="datetime1">
               <a:rPr kumimoji="0" lang="en-US" smtClean="0"/>
               <a:pPr/>
-              <a:t>8/22/2023</a:t>
+              <a:t>10/24/2023</a:t>
             </a:fld>
             <a:endParaRPr kumimoji="0" lang="en-US"/>
           </a:p>
@@ -4533,7 +4533,7 @@
             <a:fld id="{72968126-03FC-49C0-B9B8-2B561CCC3D90}" type="datetime1">
               <a:rPr kumimoji="0" lang="en-US" smtClean="0"/>
               <a:pPr/>
-              <a:t>8/22/2023</a:t>
+              <a:t>10/24/2023</a:t>
             </a:fld>
             <a:endParaRPr kumimoji="0" lang="en-US"/>
           </a:p>
@@ -4820,7 +4820,7 @@
             <a:fld id="{F49A8198-4617-485E-9585-4840B69DBBA6}" type="datetime1">
               <a:rPr kumimoji="0" lang="en-US" smtClean="0"/>
               <a:pPr/>
-              <a:t>8/22/2023</a:t>
+              <a:t>10/24/2023</a:t>
             </a:fld>
             <a:endParaRPr kumimoji="0" lang="en-US"/>
           </a:p>
@@ -5087,7 +5087,7 @@
             <a:fld id="{E4606EA6-EFEA-4C30-9264-4F9291A5780D}" type="datetime1">
               <a:rPr kumimoji="0" lang="en-US" smtClean="0"/>
               <a:pPr/>
-              <a:t>8/22/2023</a:t>
+              <a:t>10/24/2023</a:t>
             </a:fld>
             <a:endParaRPr kumimoji="0" lang="en-US"/>
           </a:p>
@@ -5316,7 +5316,7 @@
             <a:fld id="{E4606EA6-EFEA-4C30-9264-4F9291A5780D}" type="datetime1">
               <a:rPr kumimoji="0" lang="en-US" smtClean="0"/>
               <a:pPr/>
-              <a:t>8/22/2023</a:t>
+              <a:t>10/24/2023</a:t>
             </a:fld>
             <a:endParaRPr kumimoji="0" lang="en-US" sz="1400" dirty="0">
               <a:solidFill>
@@ -6808,7 +6808,7 @@
         </p:nvSpPr>
         <p:spPr>
           <a:xfrm>
-            <a:off x="827584" y="1275606"/>
+            <a:off x="611560" y="1175144"/>
             <a:ext cx="7416824" cy="3528392"/>
           </a:xfrm>
           <a:prstGeom prst="roundRect">
@@ -7049,95 +7049,36 @@
           </a:p>
         </p:txBody>
       </p:sp>
-      <p:sp>
-        <p:nvSpPr>
-          <p:cNvPr id="9" name="TextBox 8"/>
-          <p:cNvSpPr txBox="1"/>
+      <p:pic>
+        <p:nvPicPr>
+          <p:cNvPr id="3" name="Picture 2">
+            <a:extLst>
+              <a:ext uri="{FF2B5EF4-FFF2-40B4-BE49-F238E27FC236}">
+                <a16:creationId xmlns:a16="http://schemas.microsoft.com/office/drawing/2014/main" id="{01E45633-5D86-4134-A08D-FB0582E49275}"/>
+              </a:ext>
+            </a:extLst>
+          </p:cNvPr>
+          <p:cNvPicPr>
+            <a:picLocks noChangeAspect="1"/>
+          </p:cNvPicPr>
           <p:nvPr/>
-        </p:nvSpPr>
+        </p:nvPicPr>
+        <p:blipFill>
+          <a:blip r:embed="rId3"/>
+          <a:stretch>
+            <a:fillRect/>
+          </a:stretch>
+        </p:blipFill>
         <p:spPr>
           <a:xfrm>
-            <a:off x="1331640" y="1923678"/>
-            <a:ext cx="4320480" cy="2031325"/>
+            <a:off x="1619672" y="1316333"/>
+            <a:ext cx="2160239" cy="3246014"/>
           </a:xfrm>
           <a:prstGeom prst="rect">
             <a:avLst/>
           </a:prstGeom>
-          <a:noFill/>
         </p:spPr>
-        <p:txBody>
-          <a:bodyPr wrap="square" rtlCol="0">
-            <a:spAutoFit/>
-          </a:bodyPr>
-          <a:lstStyle/>
-          <a:p>
-            <a:r>
-              <a:rPr lang="en-AU" dirty="0">
-                <a:solidFill>
-                  <a:srgbClr val="00B050"/>
-                </a:solidFill>
-              </a:rPr>
-              <a:t>Show here how you will be storing the project files for</a:t>
-            </a:r>
-          </a:p>
-          <a:p>
-            <a:pPr marL="285750" indent="-285750">
-              <a:buFont typeface="Arial" panose="020B0604020202020204" pitchFamily="34" charset="0"/>
-              <a:buChar char="•"/>
-            </a:pPr>
-            <a:r>
-              <a:rPr lang="en-AU" dirty="0">
-                <a:solidFill>
-                  <a:srgbClr val="00B050"/>
-                </a:solidFill>
-              </a:rPr>
-              <a:t>Pre Production documents</a:t>
-            </a:r>
-          </a:p>
-          <a:p>
-            <a:pPr marL="285750" indent="-285750">
-              <a:buFont typeface="Arial" panose="020B0604020202020204" pitchFamily="34" charset="0"/>
-              <a:buChar char="•"/>
-            </a:pPr>
-            <a:r>
-              <a:rPr lang="en-AU" dirty="0">
-                <a:solidFill>
-                  <a:srgbClr val="00B050"/>
-                </a:solidFill>
-              </a:rPr>
-              <a:t>Pre Productions drawings and orthographic drawings</a:t>
-            </a:r>
-          </a:p>
-          <a:p>
-            <a:pPr marL="285750" indent="-285750">
-              <a:buFont typeface="Arial" panose="020B0604020202020204" pitchFamily="34" charset="0"/>
-              <a:buChar char="•"/>
-            </a:pPr>
-            <a:r>
-              <a:rPr lang="en-AU" dirty="0">
-                <a:solidFill>
-                  <a:srgbClr val="00B050"/>
-                </a:solidFill>
-              </a:rPr>
-              <a:t>Production 3D assets in development</a:t>
-            </a:r>
-          </a:p>
-          <a:p>
-            <a:pPr marL="285750" indent="-285750">
-              <a:buFont typeface="Arial" panose="020B0604020202020204" pitchFamily="34" charset="0"/>
-              <a:buChar char="•"/>
-            </a:pPr>
-            <a:r>
-              <a:rPr lang="en-AU" dirty="0">
-                <a:solidFill>
-                  <a:srgbClr val="00B050"/>
-                </a:solidFill>
-              </a:rPr>
-              <a:t>Final 3D assets </a:t>
-            </a:r>
-          </a:p>
-        </p:txBody>
-      </p:sp>
+      </p:pic>
     </p:spTree>
     <p:extLst>
       <p:ext uri="{BB962C8B-B14F-4D97-AF65-F5344CB8AC3E}">
@@ -7481,66 +7422,6 @@
       </p:sp>
       <p:sp>
         <p:nvSpPr>
-          <p:cNvPr id="9" name="TextBox 8"/>
-          <p:cNvSpPr txBox="1"/>
-          <p:nvPr/>
-        </p:nvSpPr>
-        <p:spPr>
-          <a:xfrm>
-            <a:off x="1331640" y="1923678"/>
-            <a:ext cx="5184576" cy="1477328"/>
-          </a:xfrm>
-          <a:prstGeom prst="rect">
-            <a:avLst/>
-          </a:prstGeom>
-          <a:noFill/>
-        </p:spPr>
-        <p:txBody>
-          <a:bodyPr wrap="square" rtlCol="0">
-            <a:spAutoFit/>
-          </a:bodyPr>
-          <a:lstStyle/>
-          <a:p>
-            <a:r>
-              <a:rPr lang="en-AU" dirty="0">
-                <a:solidFill>
-                  <a:srgbClr val="00B050"/>
-                </a:solidFill>
-              </a:rPr>
-              <a:t>Upload a collection of character references here</a:t>
-            </a:r>
-          </a:p>
-          <a:p>
-            <a:r>
-              <a:rPr lang="en-AU" dirty="0">
-                <a:solidFill>
-                  <a:srgbClr val="00B050"/>
-                </a:solidFill>
-              </a:rPr>
-              <a:t>(At least 5 images)</a:t>
-            </a:r>
-          </a:p>
-          <a:p>
-            <a:endParaRPr lang="en-AU" dirty="0">
-              <a:solidFill>
-                <a:srgbClr val="00B050"/>
-              </a:solidFill>
-            </a:endParaRPr>
-          </a:p>
-          <a:p>
-            <a:r>
-              <a:rPr lang="en-AU" dirty="0">
-                <a:solidFill>
-                  <a:srgbClr val="00B050"/>
-                </a:solidFill>
-              </a:rPr>
-              <a:t>**Note: Use keywords to describe your character to look for those references</a:t>
-            </a:r>
-          </a:p>
-        </p:txBody>
-      </p:sp>
-      <p:sp>
-        <p:nvSpPr>
           <p:cNvPr id="11" name="TextBox 10"/>
           <p:cNvSpPr txBox="1"/>
           <p:nvPr/>
@@ -7581,6 +7462,230 @@
           </a:p>
         </p:txBody>
       </p:sp>
+      <p:pic>
+        <p:nvPicPr>
+          <p:cNvPr id="3" name="Picture 2" descr="A cartoon character of a dog&#10;&#10;Description automatically generated">
+            <a:extLst>
+              <a:ext uri="{FF2B5EF4-FFF2-40B4-BE49-F238E27FC236}">
+                <a16:creationId xmlns:a16="http://schemas.microsoft.com/office/drawing/2014/main" id="{45EA39F0-F9D2-4A55-853B-52C623175649}"/>
+              </a:ext>
+            </a:extLst>
+          </p:cNvPr>
+          <p:cNvPicPr>
+            <a:picLocks noChangeAspect="1"/>
+          </p:cNvPicPr>
+          <p:nvPr/>
+        </p:nvPicPr>
+        <p:blipFill>
+          <a:blip r:embed="rId3">
+            <a:extLst>
+              <a:ext uri="{28A0092B-C50C-407E-A947-70E740481C1C}">
+                <a14:useLocalDpi xmlns:a14="http://schemas.microsoft.com/office/drawing/2010/main" val="0"/>
+              </a:ext>
+            </a:extLst>
+          </a:blip>
+          <a:stretch>
+            <a:fillRect/>
+          </a:stretch>
+        </p:blipFill>
+        <p:spPr>
+          <a:xfrm>
+            <a:off x="6660232" y="1623395"/>
+            <a:ext cx="1368152" cy="2501473"/>
+          </a:xfrm>
+          <a:prstGeom prst="rect">
+            <a:avLst/>
+          </a:prstGeom>
+        </p:spPr>
+      </p:pic>
+      <p:pic>
+        <p:nvPicPr>
+          <p:cNvPr id="1026" name="Picture 2" descr="DOOM CROSSING: Eternal Horizons □ Music Video feat. Natalia Natchan aka  PiNKII - YouTube">
+            <a:extLst>
+              <a:ext uri="{FF2B5EF4-FFF2-40B4-BE49-F238E27FC236}">
+                <a16:creationId xmlns:a16="http://schemas.microsoft.com/office/drawing/2014/main" id="{F62197C2-729D-4D4F-AAAE-06B165141AB5}"/>
+              </a:ext>
+            </a:extLst>
+          </p:cNvPr>
+          <p:cNvPicPr>
+            <a:picLocks noChangeAspect="1" noChangeArrowheads="1"/>
+          </p:cNvPicPr>
+          <p:nvPr/>
+        </p:nvPicPr>
+        <p:blipFill>
+          <a:blip r:embed="rId4">
+            <a:extLst>
+              <a:ext uri="{28A0092B-C50C-407E-A947-70E740481C1C}">
+                <a14:useLocalDpi xmlns:a14="http://schemas.microsoft.com/office/drawing/2010/main" val="0"/>
+              </a:ext>
+            </a:extLst>
+          </a:blip>
+          <a:srcRect/>
+          <a:stretch>
+            <a:fillRect/>
+          </a:stretch>
+        </p:blipFill>
+        <p:spPr bwMode="auto">
+          <a:xfrm>
+            <a:off x="3687366" y="1286654"/>
+            <a:ext cx="2972866" cy="1672237"/>
+          </a:xfrm>
+          <a:prstGeom prst="rect">
+            <a:avLst/>
+          </a:prstGeom>
+          <a:noFill/>
+          <a:extLst>
+            <a:ext uri="{909E8E84-426E-40DD-AFC4-6F175D3DCCD1}">
+              <a14:hiddenFill xmlns:a14="http://schemas.microsoft.com/office/drawing/2010/main">
+                <a:solidFill>
+                  <a:srgbClr val="FFFFFF"/>
+                </a:solidFill>
+              </a14:hiddenFill>
+            </a:ext>
+          </a:extLst>
+        </p:spPr>
+      </p:pic>
+      <p:pic>
+        <p:nvPicPr>
+          <p:cNvPr id="1028" name="Picture 4" descr="3D Print of Doom Crossing: eternal horizons (Isabelle) by mathieulaissue">
+            <a:extLst>
+              <a:ext uri="{FF2B5EF4-FFF2-40B4-BE49-F238E27FC236}">
+                <a16:creationId xmlns:a16="http://schemas.microsoft.com/office/drawing/2014/main" id="{61094488-EBD0-49A1-B037-E606AAE52AE2}"/>
+              </a:ext>
+            </a:extLst>
+          </p:cNvPr>
+          <p:cNvPicPr>
+            <a:picLocks noChangeAspect="1" noChangeArrowheads="1"/>
+          </p:cNvPicPr>
+          <p:nvPr/>
+        </p:nvPicPr>
+        <p:blipFill>
+          <a:blip r:embed="rId5">
+            <a:extLst>
+              <a:ext uri="{28A0092B-C50C-407E-A947-70E740481C1C}">
+                <a14:useLocalDpi xmlns:a14="http://schemas.microsoft.com/office/drawing/2010/main" val="0"/>
+              </a:ext>
+            </a:extLst>
+          </a:blip>
+          <a:srcRect/>
+          <a:stretch>
+            <a:fillRect/>
+          </a:stretch>
+        </p:blipFill>
+        <p:spPr bwMode="auto">
+          <a:xfrm>
+            <a:off x="1729283" y="1264165"/>
+            <a:ext cx="1983435" cy="1983435"/>
+          </a:xfrm>
+          <a:prstGeom prst="rect">
+            <a:avLst/>
+          </a:prstGeom>
+          <a:noFill/>
+          <a:extLst>
+            <a:ext uri="{909E8E84-426E-40DD-AFC4-6F175D3DCCD1}">
+              <a14:hiddenFill xmlns:a14="http://schemas.microsoft.com/office/drawing/2010/main">
+                <a:solidFill>
+                  <a:srgbClr val="FFFFFF"/>
+                </a:solidFill>
+              </a14:hiddenFill>
+            </a:ext>
+          </a:extLst>
+        </p:spPr>
+      </p:pic>
+      <p:pic>
+        <p:nvPicPr>
+          <p:cNvPr id="1030" name="Picture 6" descr="when you realise doom eternal comes out the same day as the new animal  crossing | Doomguy and Isabelle | Know Your Meme">
+            <a:extLst>
+              <a:ext uri="{FF2B5EF4-FFF2-40B4-BE49-F238E27FC236}">
+                <a16:creationId xmlns:a16="http://schemas.microsoft.com/office/drawing/2014/main" id="{55F39DB3-9A69-4F52-B3D2-EA2B3C8B6B49}"/>
+              </a:ext>
+            </a:extLst>
+          </p:cNvPr>
+          <p:cNvPicPr>
+            <a:picLocks noChangeAspect="1" noChangeArrowheads="1"/>
+          </p:cNvPicPr>
+          <p:nvPr/>
+        </p:nvPicPr>
+        <p:blipFill>
+          <a:blip r:embed="rId6">
+            <a:extLst>
+              <a:ext uri="{28A0092B-C50C-407E-A947-70E740481C1C}">
+                <a14:useLocalDpi xmlns:a14="http://schemas.microsoft.com/office/drawing/2010/main" val="0"/>
+              </a:ext>
+            </a:extLst>
+          </a:blip>
+          <a:srcRect/>
+          <a:stretch>
+            <a:fillRect/>
+          </a:stretch>
+        </p:blipFill>
+        <p:spPr bwMode="auto">
+          <a:xfrm>
+            <a:off x="707016" y="2116731"/>
+            <a:ext cx="1149720" cy="1983435"/>
+          </a:xfrm>
+          <a:prstGeom prst="rect">
+            <a:avLst/>
+          </a:prstGeom>
+          <a:noFill/>
+          <a:extLst>
+            <a:ext uri="{909E8E84-426E-40DD-AFC4-6F175D3DCCD1}">
+              <a14:hiddenFill xmlns:a14="http://schemas.microsoft.com/office/drawing/2010/main">
+                <a:solidFill>
+                  <a:srgbClr val="FFFFFF"/>
+                </a:solidFill>
+              </a14:hiddenFill>
+            </a:ext>
+          </a:extLst>
+        </p:spPr>
+      </p:pic>
+      <p:pic>
+        <p:nvPicPr>
+          <p:cNvPr id="1032" name="Picture 8" descr="doom isabelle&quot; 3D Models to Print - yeggi">
+            <a:extLst>
+              <a:ext uri="{FF2B5EF4-FFF2-40B4-BE49-F238E27FC236}">
+                <a16:creationId xmlns:a16="http://schemas.microsoft.com/office/drawing/2014/main" id="{2834D5E7-8581-4165-A16C-EAD1FDFD1332}"/>
+              </a:ext>
+            </a:extLst>
+          </p:cNvPr>
+          <p:cNvPicPr>
+            <a:picLocks noChangeAspect="1" noChangeArrowheads="1"/>
+          </p:cNvPicPr>
+          <p:nvPr/>
+        </p:nvPicPr>
+        <p:blipFill>
+          <a:blip r:embed="rId7">
+            <a:extLst>
+              <a:ext uri="{28A0092B-C50C-407E-A947-70E740481C1C}">
+                <a14:useLocalDpi xmlns:a14="http://schemas.microsoft.com/office/drawing/2010/main" val="0"/>
+              </a:ext>
+            </a:extLst>
+          </a:blip>
+          <a:srcRect/>
+          <a:stretch>
+            <a:fillRect/>
+          </a:stretch>
+        </p:blipFill>
+        <p:spPr bwMode="auto">
+          <a:xfrm>
+            <a:off x="3438310" y="2814039"/>
+            <a:ext cx="1933380" cy="1740042"/>
+          </a:xfrm>
+          <a:prstGeom prst="rect">
+            <a:avLst/>
+          </a:prstGeom>
+          <a:noFill/>
+          <a:extLst>
+            <a:ext uri="{909E8E84-426E-40DD-AFC4-6F175D3DCCD1}">
+              <a14:hiddenFill xmlns:a14="http://schemas.microsoft.com/office/drawing/2010/main">
+                <a:solidFill>
+                  <a:srgbClr val="FFFFFF"/>
+                </a:solidFill>
+              </a14:hiddenFill>
+            </a:ext>
+          </a:extLst>
+        </p:spPr>
+      </p:pic>
     </p:spTree>
     <p:extLst>
       <p:ext uri="{BB962C8B-B14F-4D97-AF65-F5344CB8AC3E}">
@@ -7926,7 +8031,7 @@
         </p:nvSpPr>
         <p:spPr>
           <a:xfrm>
-            <a:off x="1331640" y="1923678"/>
+            <a:off x="1403648" y="1923678"/>
             <a:ext cx="4320480" cy="369332"/>
           </a:xfrm>
           <a:prstGeom prst="rect">
@@ -8480,6 +8585,42 @@
           </a:p>
         </p:txBody>
       </p:sp>
+      <p:pic>
+        <p:nvPicPr>
+          <p:cNvPr id="3" name="Picture 2" descr="A sketch of a group of people&#10;&#10;Description automatically generated">
+            <a:extLst>
+              <a:ext uri="{FF2B5EF4-FFF2-40B4-BE49-F238E27FC236}">
+                <a16:creationId xmlns:a16="http://schemas.microsoft.com/office/drawing/2014/main" id="{DDA81CE0-81FF-4C65-9130-CAC570566C2A}"/>
+              </a:ext>
+            </a:extLst>
+          </p:cNvPr>
+          <p:cNvPicPr>
+            <a:picLocks noChangeAspect="1"/>
+          </p:cNvPicPr>
+          <p:nvPr/>
+        </p:nvPicPr>
+        <p:blipFill>
+          <a:blip r:embed="rId3">
+            <a:extLst>
+              <a:ext uri="{28A0092B-C50C-407E-A947-70E740481C1C}">
+                <a14:useLocalDpi xmlns:a14="http://schemas.microsoft.com/office/drawing/2010/main" val="0"/>
+              </a:ext>
+            </a:extLst>
+          </a:blip>
+          <a:stretch>
+            <a:fillRect/>
+          </a:stretch>
+        </p:blipFill>
+        <p:spPr>
+          <a:xfrm>
+            <a:off x="899592" y="1417892"/>
+            <a:ext cx="2548037" cy="3399918"/>
+          </a:xfrm>
+          <a:prstGeom prst="rect">
+            <a:avLst/>
+          </a:prstGeom>
+        </p:spPr>
+      </p:pic>
     </p:spTree>
     <p:extLst>
       <p:ext uri="{BB962C8B-B14F-4D97-AF65-F5344CB8AC3E}">
@@ -8864,6 +9005,42 @@
           </a:p>
         </p:txBody>
       </p:sp>
+      <p:pic>
+        <p:nvPicPr>
+          <p:cNvPr id="3" name="Picture 2" descr="A drawing of a cartoon character&#10;&#10;Description automatically generated">
+            <a:extLst>
+              <a:ext uri="{FF2B5EF4-FFF2-40B4-BE49-F238E27FC236}">
+                <a16:creationId xmlns:a16="http://schemas.microsoft.com/office/drawing/2014/main" id="{790D213E-D874-434B-B27A-310AF2C36667}"/>
+              </a:ext>
+            </a:extLst>
+          </p:cNvPr>
+          <p:cNvPicPr>
+            <a:picLocks noChangeAspect="1"/>
+          </p:cNvPicPr>
+          <p:nvPr/>
+        </p:nvPicPr>
+        <p:blipFill>
+          <a:blip r:embed="rId3">
+            <a:extLst>
+              <a:ext uri="{28A0092B-C50C-407E-A947-70E740481C1C}">
+                <a14:useLocalDpi xmlns:a14="http://schemas.microsoft.com/office/drawing/2010/main" val="0"/>
+              </a:ext>
+            </a:extLst>
+          </a:blip>
+          <a:stretch>
+            <a:fillRect/>
+          </a:stretch>
+        </p:blipFill>
+        <p:spPr>
+          <a:xfrm>
+            <a:off x="3897102" y="1368152"/>
+            <a:ext cx="2574963" cy="3435846"/>
+          </a:xfrm>
+          <a:prstGeom prst="rect">
+            <a:avLst/>
+          </a:prstGeom>
+        </p:spPr>
+      </p:pic>
     </p:spTree>
     <p:extLst>
       <p:ext uri="{BB962C8B-B14F-4D97-AF65-F5344CB8AC3E}">
@@ -12515,7 +12692,11 @@
           <a:lstStyle/>
           <a:p>
             <a:pPr algn="ctr"/>
-            <a:endParaRPr lang="en-AU"/>
+            <a:r>
+              <a:rPr lang="en-US" dirty="0"/>
+              <a:t>Y</a:t>
+            </a:r>
+            <a:endParaRPr lang="en-AU" dirty="0"/>
           </a:p>
         </p:txBody>
       </p:sp>
@@ -20685,12 +20866,6 @@
 </file>
 
 <file path=customXml/item1.xml><?xml version="1.0" encoding="utf-8"?>
-<Control xmlns="http://schemas.microsoft.com/VisualStudio/2011/storyboarding/control">
-  <Id Name="System.Storyboarding.Common.DataGrid" Revision="1" Stencil="System.Storyboarding.Common" StencilVersion="0.1"/>
-</Control>
-</file>
-
-<file path=customXml/item2.xml><?xml version="1.0" encoding="utf-8"?>
 <ct:contentTypeSchema xmlns:ct="http://schemas.microsoft.com/office/2006/metadata/contentType" xmlns:ma="http://schemas.microsoft.com/office/2006/metadata/properties/metaAttributes" ct:_="" ma:_="" ma:contentTypeName="Document" ma:contentTypeID="0x0101004E9941BE3AE4394DB476583126CF51B1" ma:contentTypeVersion="12" ma:contentTypeDescription="Create a new document." ma:contentTypeScope="" ma:versionID="558cc00f569e1b2ecdbc00250f3bf903">
   <xsd:schema xmlns:xsd="http://www.w3.org/2001/XMLSchema" xmlns:xs="http://www.w3.org/2001/XMLSchema" xmlns:p="http://schemas.microsoft.com/office/2006/metadata/properties" xmlns:ns3="f7e03a58-dfd9-4c0f-a1e1-20265f9f556c" xmlns:ns4="1bd2fcbb-1eee-47b4-8408-fd03f14fa890" targetNamespace="http://schemas.microsoft.com/office/2006/metadata/properties" ma:root="true" ma:fieldsID="a23c5bcc54103d441f5ec9815cdf2e9f" ns3:_="" ns4:_="">
     <xsd:import namespace="f7e03a58-dfd9-4c0f-a1e1-20265f9f556c"/>
@@ -20905,7 +21080,21 @@
 </ct:contentTypeSchema>
 </file>
 
+<file path=customXml/item2.xml><?xml version="1.0" encoding="utf-8"?>
+<Control xmlns="http://schemas.microsoft.com/VisualStudio/2011/storyboarding/control">
+  <Id Name="System.Storyboarding.Common.DataGrid" Revision="1" Stencil="System.Storyboarding.Common" StencilVersion="0.1"/>
+</Control>
+</file>
+
 <file path=customXml/item3.xml><?xml version="1.0" encoding="utf-8"?>
+<p:properties xmlns:p="http://schemas.microsoft.com/office/2006/metadata/properties" xmlns:xsi="http://www.w3.org/2001/XMLSchema-instance" xmlns:pc="http://schemas.microsoft.com/office/infopath/2007/PartnerControls">
+  <documentManagement>
+    <_activity xmlns="1bd2fcbb-1eee-47b4-8408-fd03f14fa890" xsi:nil="true"/>
+  </documentManagement>
+</p:properties>
+</file>
+
+<file path=customXml/item4.xml><?xml version="1.0" encoding="utf-8"?>
 <?mso-contentType ?>
 <FormTemplates xmlns="http://schemas.microsoft.com/sharepoint/v3/contenttype/forms">
   <Display>DocumentLibraryForm</Display>
@@ -20914,23 +21103,7 @@
 </FormTemplates>
 </file>
 
-<file path=customXml/item4.xml><?xml version="1.0" encoding="utf-8"?>
-<p:properties xmlns:p="http://schemas.microsoft.com/office/2006/metadata/properties" xmlns:xsi="http://www.w3.org/2001/XMLSchema-instance" xmlns:pc="http://schemas.microsoft.com/office/infopath/2007/PartnerControls">
-  <documentManagement>
-    <_activity xmlns="1bd2fcbb-1eee-47b4-8408-fd03f14fa890" xsi:nil="true"/>
-  </documentManagement>
-</p:properties>
-</file>
-
 <file path=customXml/itemProps1.xml><?xml version="1.0" encoding="utf-8"?>
-<ds:datastoreItem xmlns:ds="http://schemas.openxmlformats.org/officeDocument/2006/customXml" ds:itemID="{1748F941-C1C1-44CD-BA90-1320E6EC290C}">
-  <ds:schemaRefs>
-    <ds:schemaRef ds:uri="http://schemas.microsoft.com/VisualStudio/2011/storyboarding/control"/>
-  </ds:schemaRefs>
-</ds:datastoreItem>
-</file>
-
-<file path=customXml/itemProps2.xml><?xml version="1.0" encoding="utf-8"?>
 <ds:datastoreItem xmlns:ds="http://schemas.openxmlformats.org/officeDocument/2006/customXml" ds:itemID="{6FF1E75B-1BB9-422C-8FDD-F869FE3A1645}">
   <ds:schemaRefs>
     <ds:schemaRef ds:uri="http://schemas.microsoft.com/office/2006/metadata/contentType"/>
@@ -20949,15 +21122,15 @@
 </ds:datastoreItem>
 </file>
 
-<file path=customXml/itemProps3.xml><?xml version="1.0" encoding="utf-8"?>
-<ds:datastoreItem xmlns:ds="http://schemas.openxmlformats.org/officeDocument/2006/customXml" ds:itemID="{9138D98A-98B5-489E-9436-656CF7296A97}">
+<file path=customXml/itemProps2.xml><?xml version="1.0" encoding="utf-8"?>
+<ds:datastoreItem xmlns:ds="http://schemas.openxmlformats.org/officeDocument/2006/customXml" ds:itemID="{1748F941-C1C1-44CD-BA90-1320E6EC290C}">
   <ds:schemaRefs>
-    <ds:schemaRef ds:uri="http://schemas.microsoft.com/sharepoint/v3/contenttype/forms"/>
+    <ds:schemaRef ds:uri="http://schemas.microsoft.com/VisualStudio/2011/storyboarding/control"/>
   </ds:schemaRefs>
 </ds:datastoreItem>
 </file>
 
-<file path=customXml/itemProps4.xml><?xml version="1.0" encoding="utf-8"?>
+<file path=customXml/itemProps3.xml><?xml version="1.0" encoding="utf-8"?>
 <ds:datastoreItem xmlns:ds="http://schemas.openxmlformats.org/officeDocument/2006/customXml" ds:itemID="{A1764301-5F1A-4BE5-B1B2-866709E2C2D6}">
   <ds:schemaRefs>
     <ds:schemaRef ds:uri="http://schemas.openxmlformats.org/package/2006/metadata/core-properties"/>
@@ -20972,4 +21145,12 @@
     <ds:schemaRef ds:uri="http://purl.org/dc/elements/1.1/"/>
   </ds:schemaRefs>
 </ds:datastoreItem>
+</file>
+
+<file path=customXml/itemProps4.xml><?xml version="1.0" encoding="utf-8"?>
+<ds:datastoreItem xmlns:ds="http://schemas.openxmlformats.org/officeDocument/2006/customXml" ds:itemID="{9138D98A-98B5-489E-9436-656CF7296A97}">
+  <ds:schemaRefs>
+    <ds:schemaRef ds:uri="http://schemas.microsoft.com/sharepoint/v3/contenttype/forms"/>
+  </ds:schemaRefs>
+</ds:datastoreItem>
 </file>
--- a/Pre_production/Documents/Workbook/Workbook 3.pptx
+++ b/Pre_production/Documents/Workbook/Workbook 3.pptx
@@ -156,7 +156,7 @@
 <file path=ppt/revisionInfo.xml><?xml version="1.0" encoding="utf-8"?>
 <p1510:revInfo xmlns:a="http://schemas.openxmlformats.org/drawingml/2006/main" xmlns:r="http://schemas.openxmlformats.org/officeDocument/2006/relationships" xmlns:p1510="http://schemas.microsoft.com/office/powerpoint/2015/10/main">
   <p1510:revLst>
-    <p1510:client id="{9F16BB2E-3C25-4FF4-B5D4-FD616C32DFD9}" v="40" dt="2023-10-24T00:10:54.279"/>
+    <p1510:client id="{9F16BB2E-3C25-4FF4-B5D4-FD616C32DFD9}" v="45" dt="2023-10-24T00:53:48.099"/>
   </p1510:revLst>
 </p1510:revInfo>
 </file>
@@ -10154,6 +10154,78 @@
           </a:p>
         </p:txBody>
       </p:sp>
+      <p:pic>
+        <p:nvPicPr>
+          <p:cNvPr id="3" name="Picture 2" descr="A drawing of a flower on lined paper&#10;&#10;Description automatically generated">
+            <a:extLst>
+              <a:ext uri="{FF2B5EF4-FFF2-40B4-BE49-F238E27FC236}">
+                <a16:creationId xmlns:a16="http://schemas.microsoft.com/office/drawing/2014/main" id="{43C25E83-38F9-482C-8496-76D86296EA0F}"/>
+              </a:ext>
+            </a:extLst>
+          </p:cNvPr>
+          <p:cNvPicPr>
+            <a:picLocks noChangeAspect="1"/>
+          </p:cNvPicPr>
+          <p:nvPr/>
+        </p:nvPicPr>
+        <p:blipFill>
+          <a:blip r:embed="rId3">
+            <a:extLst>
+              <a:ext uri="{28A0092B-C50C-407E-A947-70E740481C1C}">
+                <a14:useLocalDpi xmlns:a14="http://schemas.microsoft.com/office/drawing/2010/main" val="0"/>
+              </a:ext>
+            </a:extLst>
+          </a:blip>
+          <a:stretch>
+            <a:fillRect/>
+          </a:stretch>
+        </p:blipFill>
+        <p:spPr>
+          <a:xfrm>
+            <a:off x="5796136" y="1542521"/>
+            <a:ext cx="2361233" cy="3150660"/>
+          </a:xfrm>
+          <a:prstGeom prst="rect">
+            <a:avLst/>
+          </a:prstGeom>
+        </p:spPr>
+      </p:pic>
+      <p:pic>
+        <p:nvPicPr>
+          <p:cNvPr id="6" name="Picture 5" descr="A sketch on a notebook&#10;&#10;Description automatically generated">
+            <a:extLst>
+              <a:ext uri="{FF2B5EF4-FFF2-40B4-BE49-F238E27FC236}">
+                <a16:creationId xmlns:a16="http://schemas.microsoft.com/office/drawing/2014/main" id="{BFD475B1-9ED3-4280-A792-8C9D39D7978F}"/>
+              </a:ext>
+            </a:extLst>
+          </p:cNvPr>
+          <p:cNvPicPr>
+            <a:picLocks noChangeAspect="1"/>
+          </p:cNvPicPr>
+          <p:nvPr/>
+        </p:nvPicPr>
+        <p:blipFill>
+          <a:blip r:embed="rId4">
+            <a:extLst>
+              <a:ext uri="{28A0092B-C50C-407E-A947-70E740481C1C}">
+                <a14:useLocalDpi xmlns:a14="http://schemas.microsoft.com/office/drawing/2010/main" val="0"/>
+              </a:ext>
+            </a:extLst>
+          </a:blip>
+          <a:stretch>
+            <a:fillRect/>
+          </a:stretch>
+        </p:blipFill>
+        <p:spPr>
+          <a:xfrm>
+            <a:off x="1331640" y="1542521"/>
+            <a:ext cx="2361233" cy="3150660"/>
+          </a:xfrm>
+          <a:prstGeom prst="rect">
+            <a:avLst/>
+          </a:prstGeom>
+        </p:spPr>
+      </p:pic>
     </p:spTree>
     <p:extLst>
       <p:ext uri="{BB962C8B-B14F-4D97-AF65-F5344CB8AC3E}">
@@ -10550,6 +10622,78 @@
           </a:p>
         </p:txBody>
       </p:sp>
+      <p:pic>
+        <p:nvPicPr>
+          <p:cNvPr id="3" name="Picture 2" descr="A drawing of a flower on lined paper&#10;&#10;Description automatically generated">
+            <a:extLst>
+              <a:ext uri="{FF2B5EF4-FFF2-40B4-BE49-F238E27FC236}">
+                <a16:creationId xmlns:a16="http://schemas.microsoft.com/office/drawing/2014/main" id="{0A599A86-E6C1-4B95-B8BA-1EE12FD054C4}"/>
+              </a:ext>
+            </a:extLst>
+          </p:cNvPr>
+          <p:cNvPicPr>
+            <a:picLocks noChangeAspect="1"/>
+          </p:cNvPicPr>
+          <p:nvPr/>
+        </p:nvPicPr>
+        <p:blipFill>
+          <a:blip r:embed="rId3">
+            <a:extLst>
+              <a:ext uri="{28A0092B-C50C-407E-A947-70E740481C1C}">
+                <a14:useLocalDpi xmlns:a14="http://schemas.microsoft.com/office/drawing/2010/main" val="0"/>
+              </a:ext>
+            </a:extLst>
+          </a:blip>
+          <a:stretch>
+            <a:fillRect/>
+          </a:stretch>
+        </p:blipFill>
+        <p:spPr>
+          <a:xfrm>
+            <a:off x="6228184" y="1753056"/>
+            <a:ext cx="1928679" cy="2573491"/>
+          </a:xfrm>
+          <a:prstGeom prst="rect">
+            <a:avLst/>
+          </a:prstGeom>
+        </p:spPr>
+      </p:pic>
+      <p:pic>
+        <p:nvPicPr>
+          <p:cNvPr id="9" name="Picture 8" descr="A drawing of an object and an object on lined paper&#10;&#10;Description automatically generated">
+            <a:extLst>
+              <a:ext uri="{FF2B5EF4-FFF2-40B4-BE49-F238E27FC236}">
+                <a16:creationId xmlns:a16="http://schemas.microsoft.com/office/drawing/2014/main" id="{E3D1C5C8-2254-43DF-8B76-2DA4E378FD1F}"/>
+              </a:ext>
+            </a:extLst>
+          </p:cNvPr>
+          <p:cNvPicPr>
+            <a:picLocks noChangeAspect="1"/>
+          </p:cNvPicPr>
+          <p:nvPr/>
+        </p:nvPicPr>
+        <p:blipFill>
+          <a:blip r:embed="rId4">
+            <a:extLst>
+              <a:ext uri="{28A0092B-C50C-407E-A947-70E740481C1C}">
+                <a14:useLocalDpi xmlns:a14="http://schemas.microsoft.com/office/drawing/2010/main" val="0"/>
+              </a:ext>
+            </a:extLst>
+          </a:blip>
+          <a:stretch>
+            <a:fillRect/>
+          </a:stretch>
+        </p:blipFill>
+        <p:spPr>
+          <a:xfrm>
+            <a:off x="4121422" y="1753056"/>
+            <a:ext cx="2089271" cy="2787774"/>
+          </a:xfrm>
+          <a:prstGeom prst="rect">
+            <a:avLst/>
+          </a:prstGeom>
+        </p:spPr>
+      </p:pic>
     </p:spTree>
     <p:extLst>
       <p:ext uri="{BB962C8B-B14F-4D97-AF65-F5344CB8AC3E}">
@@ -11185,6 +11329,42 @@
           </a:p>
         </p:txBody>
       </p:sp>
+      <p:pic>
+        <p:nvPicPr>
+          <p:cNvPr id="3" name="Picture 2" descr="A sketchbook of a cartoon character&#10;&#10;Description automatically generated">
+            <a:extLst>
+              <a:ext uri="{FF2B5EF4-FFF2-40B4-BE49-F238E27FC236}">
+                <a16:creationId xmlns:a16="http://schemas.microsoft.com/office/drawing/2014/main" id="{4FCB1CA7-2F07-45BF-AEF2-1CFDC3B3B578}"/>
+              </a:ext>
+            </a:extLst>
+          </p:cNvPr>
+          <p:cNvPicPr>
+            <a:picLocks noChangeAspect="1"/>
+          </p:cNvPicPr>
+          <p:nvPr/>
+        </p:nvPicPr>
+        <p:blipFill>
+          <a:blip r:embed="rId3">
+            <a:extLst>
+              <a:ext uri="{28A0092B-C50C-407E-A947-70E740481C1C}">
+                <a14:useLocalDpi xmlns:a14="http://schemas.microsoft.com/office/drawing/2010/main" val="0"/>
+              </a:ext>
+            </a:extLst>
+          </a:blip>
+          <a:stretch>
+            <a:fillRect/>
+          </a:stretch>
+        </p:blipFill>
+        <p:spPr>
+          <a:xfrm rot="16200000">
+            <a:off x="2478505" y="573936"/>
+            <a:ext cx="3662846" cy="4887439"/>
+          </a:xfrm>
+          <a:prstGeom prst="rect">
+            <a:avLst/>
+          </a:prstGeom>
+        </p:spPr>
+      </p:pic>
     </p:spTree>
     <p:extLst>
       <p:ext uri="{BB962C8B-B14F-4D97-AF65-F5344CB8AC3E}">
@@ -20866,6 +21046,12 @@
 </file>
 
 <file path=customXml/item1.xml><?xml version="1.0" encoding="utf-8"?>
+<Control xmlns="http://schemas.microsoft.com/VisualStudio/2011/storyboarding/control">
+  <Id Name="System.Storyboarding.Common.DataGrid" Revision="1" Stencil="System.Storyboarding.Common" StencilVersion="0.1"/>
+</Control>
+</file>
+
+<file path=customXml/item2.xml><?xml version="1.0" encoding="utf-8"?>
 <ct:contentTypeSchema xmlns:ct="http://schemas.microsoft.com/office/2006/metadata/contentType" xmlns:ma="http://schemas.microsoft.com/office/2006/metadata/properties/metaAttributes" ct:_="" ma:_="" ma:contentTypeName="Document" ma:contentTypeID="0x0101004E9941BE3AE4394DB476583126CF51B1" ma:contentTypeVersion="12" ma:contentTypeDescription="Create a new document." ma:contentTypeScope="" ma:versionID="558cc00f569e1b2ecdbc00250f3bf903">
   <xsd:schema xmlns:xsd="http://www.w3.org/2001/XMLSchema" xmlns:xs="http://www.w3.org/2001/XMLSchema" xmlns:p="http://schemas.microsoft.com/office/2006/metadata/properties" xmlns:ns3="f7e03a58-dfd9-4c0f-a1e1-20265f9f556c" xmlns:ns4="1bd2fcbb-1eee-47b4-8408-fd03f14fa890" targetNamespace="http://schemas.microsoft.com/office/2006/metadata/properties" ma:root="true" ma:fieldsID="a23c5bcc54103d441f5ec9815cdf2e9f" ns3:_="" ns4:_="">
     <xsd:import namespace="f7e03a58-dfd9-4c0f-a1e1-20265f9f556c"/>
@@ -21080,21 +21266,7 @@
 </ct:contentTypeSchema>
 </file>
 
-<file path=customXml/item2.xml><?xml version="1.0" encoding="utf-8"?>
-<Control xmlns="http://schemas.microsoft.com/VisualStudio/2011/storyboarding/control">
-  <Id Name="System.Storyboarding.Common.DataGrid" Revision="1" Stencil="System.Storyboarding.Common" StencilVersion="0.1"/>
-</Control>
-</file>
-
 <file path=customXml/item3.xml><?xml version="1.0" encoding="utf-8"?>
-<p:properties xmlns:p="http://schemas.microsoft.com/office/2006/metadata/properties" xmlns:xsi="http://www.w3.org/2001/XMLSchema-instance" xmlns:pc="http://schemas.microsoft.com/office/infopath/2007/PartnerControls">
-  <documentManagement>
-    <_activity xmlns="1bd2fcbb-1eee-47b4-8408-fd03f14fa890" xsi:nil="true"/>
-  </documentManagement>
-</p:properties>
-</file>
-
-<file path=customXml/item4.xml><?xml version="1.0" encoding="utf-8"?>
 <?mso-contentType ?>
 <FormTemplates xmlns="http://schemas.microsoft.com/sharepoint/v3/contenttype/forms">
   <Display>DocumentLibraryForm</Display>
@@ -21103,7 +21275,23 @@
 </FormTemplates>
 </file>
 
+<file path=customXml/item4.xml><?xml version="1.0" encoding="utf-8"?>
+<p:properties xmlns:p="http://schemas.microsoft.com/office/2006/metadata/properties" xmlns:xsi="http://www.w3.org/2001/XMLSchema-instance" xmlns:pc="http://schemas.microsoft.com/office/infopath/2007/PartnerControls">
+  <documentManagement>
+    <_activity xmlns="1bd2fcbb-1eee-47b4-8408-fd03f14fa890" xsi:nil="true"/>
+  </documentManagement>
+</p:properties>
+</file>
+
 <file path=customXml/itemProps1.xml><?xml version="1.0" encoding="utf-8"?>
+<ds:datastoreItem xmlns:ds="http://schemas.openxmlformats.org/officeDocument/2006/customXml" ds:itemID="{1748F941-C1C1-44CD-BA90-1320E6EC290C}">
+  <ds:schemaRefs>
+    <ds:schemaRef ds:uri="http://schemas.microsoft.com/VisualStudio/2011/storyboarding/control"/>
+  </ds:schemaRefs>
+</ds:datastoreItem>
+</file>
+
+<file path=customXml/itemProps2.xml><?xml version="1.0" encoding="utf-8"?>
 <ds:datastoreItem xmlns:ds="http://schemas.openxmlformats.org/officeDocument/2006/customXml" ds:itemID="{6FF1E75B-1BB9-422C-8FDD-F869FE3A1645}">
   <ds:schemaRefs>
     <ds:schemaRef ds:uri="http://schemas.microsoft.com/office/2006/metadata/contentType"/>
@@ -21122,15 +21310,15 @@
 </ds:datastoreItem>
 </file>
 
-<file path=customXml/itemProps2.xml><?xml version="1.0" encoding="utf-8"?>
-<ds:datastoreItem xmlns:ds="http://schemas.openxmlformats.org/officeDocument/2006/customXml" ds:itemID="{1748F941-C1C1-44CD-BA90-1320E6EC290C}">
+<file path=customXml/itemProps3.xml><?xml version="1.0" encoding="utf-8"?>
+<ds:datastoreItem xmlns:ds="http://schemas.openxmlformats.org/officeDocument/2006/customXml" ds:itemID="{9138D98A-98B5-489E-9436-656CF7296A97}">
   <ds:schemaRefs>
-    <ds:schemaRef ds:uri="http://schemas.microsoft.com/VisualStudio/2011/storyboarding/control"/>
+    <ds:schemaRef ds:uri="http://schemas.microsoft.com/sharepoint/v3/contenttype/forms"/>
   </ds:schemaRefs>
 </ds:datastoreItem>
 </file>
 
-<file path=customXml/itemProps3.xml><?xml version="1.0" encoding="utf-8"?>
+<file path=customXml/itemProps4.xml><?xml version="1.0" encoding="utf-8"?>
 <ds:datastoreItem xmlns:ds="http://schemas.openxmlformats.org/officeDocument/2006/customXml" ds:itemID="{A1764301-5F1A-4BE5-B1B2-866709E2C2D6}">
   <ds:schemaRefs>
     <ds:schemaRef ds:uri="http://schemas.openxmlformats.org/package/2006/metadata/core-properties"/>
@@ -21145,12 +21333,4 @@
     <ds:schemaRef ds:uri="http://purl.org/dc/elements/1.1/"/>
   </ds:schemaRefs>
 </ds:datastoreItem>
-</file>
-
-<file path=customXml/itemProps4.xml><?xml version="1.0" encoding="utf-8"?>
-<ds:datastoreItem xmlns:ds="http://schemas.openxmlformats.org/officeDocument/2006/customXml" ds:itemID="{9138D98A-98B5-489E-9436-656CF7296A97}">
-  <ds:schemaRefs>
-    <ds:schemaRef ds:uri="http://schemas.microsoft.com/sharepoint/v3/contenttype/forms"/>
-  </ds:schemaRefs>
-</ds:datastoreItem>
 </file>